--- a/Susan/HW3_WebCrawling_JPNews/2020 SDA I NCTU_0856706_HW3_Task3.pptx
+++ b/Susan/HW3_WebCrawling_JPNews/2020 SDA I NCTU_0856706_HW3_Task3.pptx
@@ -688,7 +688,7 @@
           </a:ln>
           <a:extLst>
             <a:ext uri="{C572A759-6A51-4108-AA02-DFA0A04FC94B}">
-              <ma14:wrappingTextBoxFlag xmlns="" xmlns:m="http://schemas.openxmlformats.org/officeDocument/2006/math" xmlns:a14="http://schemas.microsoft.com/office/drawing/2010/main" xmlns:ma14="http://schemas.microsoft.com/office/mac/drawingml/2011/main" val="1"/>
+              <ma14:wrappingTextBoxFlag xmlns:ma14="http://schemas.microsoft.com/office/mac/drawingml/2011/main" xmlns:a14="http://schemas.microsoft.com/office/drawing/2010/main" xmlns:m="http://schemas.openxmlformats.org/officeDocument/2006/math" xmlns="" val="1"/>
             </a:ext>
           </a:extLst>
         </p:spPr>
@@ -1308,7 +1308,7 @@
           </a:ln>
           <a:extLst>
             <a:ext uri="{C572A759-6A51-4108-AA02-DFA0A04FC94B}">
-              <ma14:wrappingTextBoxFlag xmlns="" xmlns:m="http://schemas.openxmlformats.org/officeDocument/2006/math" xmlns:a14="http://schemas.microsoft.com/office/drawing/2010/main" xmlns:ma14="http://schemas.microsoft.com/office/mac/drawingml/2011/main" val="1"/>
+              <ma14:wrappingTextBoxFlag xmlns:ma14="http://schemas.microsoft.com/office/mac/drawingml/2011/main" xmlns:a14="http://schemas.microsoft.com/office/drawing/2010/main" xmlns:m="http://schemas.openxmlformats.org/officeDocument/2006/math" xmlns="" val="1"/>
             </a:ext>
           </a:extLst>
         </p:spPr>
@@ -1359,7 +1359,7 @@
           </a:ln>
           <a:extLst>
             <a:ext uri="{C572A759-6A51-4108-AA02-DFA0A04FC94B}">
-              <ma14:wrappingTextBoxFlag xmlns="" xmlns:m="http://schemas.openxmlformats.org/officeDocument/2006/math" xmlns:a14="http://schemas.microsoft.com/office/drawing/2010/main" xmlns:ma14="http://schemas.microsoft.com/office/mac/drawingml/2011/main" val="1"/>
+              <ma14:wrappingTextBoxFlag xmlns:ma14="http://schemas.microsoft.com/office/mac/drawingml/2011/main" xmlns:a14="http://schemas.microsoft.com/office/drawing/2010/main" xmlns:m="http://schemas.openxmlformats.org/officeDocument/2006/math" xmlns="" val="1"/>
             </a:ext>
           </a:extLst>
         </p:spPr>
@@ -1398,7 +1398,7 @@
           </a:ln>
           <a:extLst>
             <a:ext uri="{C572A759-6A51-4108-AA02-DFA0A04FC94B}">
-              <ma14:wrappingTextBoxFlag xmlns="" xmlns:m="http://schemas.openxmlformats.org/officeDocument/2006/math" xmlns:a14="http://schemas.microsoft.com/office/drawing/2010/main" xmlns:ma14="http://schemas.microsoft.com/office/mac/drawingml/2011/main" val="1"/>
+              <ma14:wrappingTextBoxFlag xmlns:ma14="http://schemas.microsoft.com/office/mac/drawingml/2011/main" xmlns:a14="http://schemas.microsoft.com/office/drawing/2010/main" xmlns:m="http://schemas.openxmlformats.org/officeDocument/2006/math" xmlns="" val="1"/>
             </a:ext>
           </a:extLst>
         </p:spPr>
@@ -8966,8 +8966,8 @@
           <a:lstStyle/>
           <a:p>
             <a:r>
-              <a:rPr lang="en-US" altLang="zh-TW" dirty="0"/>
-              <a:t>Web Crawling – JP News</a:t>
+              <a:rPr lang="en-US" altLang="zh-TW" dirty="0" smtClean="0"/>
+              <a:t>Word Cloud on Japanese News</a:t>
             </a:r>
             <a:endParaRPr dirty="0"/>
           </a:p>
@@ -8993,7 +8993,7 @@
           </a:prstGeom>
           <a:extLst>
             <a:ext uri="{C572A759-6A51-4108-AA02-DFA0A04FC94B}">
-              <ma14:wrappingTextBoxFlag xmlns="" xmlns:m="http://schemas.openxmlformats.org/officeDocument/2006/math" xmlns:a14="http://schemas.microsoft.com/office/drawing/2010/main" xmlns:ma14="http://schemas.microsoft.com/office/mac/drawingml/2011/main" val="1"/>
+              <ma14:wrappingTextBoxFlag xmlns:ma14="http://schemas.microsoft.com/office/mac/drawingml/2011/main" xmlns:a14="http://schemas.microsoft.com/office/drawing/2010/main" xmlns:m="http://schemas.openxmlformats.org/officeDocument/2006/math" xmlns="" val="1"/>
             </a:ext>
           </a:extLst>
         </p:spPr>
@@ -9029,7 +9029,7 @@
           </a:ln>
           <a:extLst>
             <a:ext uri="{C572A759-6A51-4108-AA02-DFA0A04FC94B}">
-              <ma14:wrappingTextBoxFlag xmlns="" xmlns:m="http://schemas.openxmlformats.org/officeDocument/2006/math" xmlns:a14="http://schemas.microsoft.com/office/drawing/2010/main" xmlns:ma14="http://schemas.microsoft.com/office/mac/drawingml/2011/main" val="1"/>
+              <ma14:wrappingTextBoxFlag xmlns:ma14="http://schemas.microsoft.com/office/mac/drawingml/2011/main" xmlns:a14="http://schemas.microsoft.com/office/drawing/2010/main" xmlns:m="http://schemas.openxmlformats.org/officeDocument/2006/math" xmlns="" val="1"/>
             </a:ext>
           </a:extLst>
         </p:spPr>
@@ -9110,7 +9110,7 @@
           </a:prstGeom>
           <a:extLst>
             <a:ext uri="{C572A759-6A51-4108-AA02-DFA0A04FC94B}">
-              <ma14:wrappingTextBoxFlag xmlns="" xmlns:m="http://schemas.openxmlformats.org/officeDocument/2006/math" xmlns:a14="http://schemas.microsoft.com/office/drawing/2010/main" xmlns:ma14="http://schemas.microsoft.com/office/mac/drawingml/2011/main" val="1"/>
+              <ma14:wrappingTextBoxFlag xmlns:ma14="http://schemas.microsoft.com/office/mac/drawingml/2011/main" xmlns:a14="http://schemas.microsoft.com/office/drawing/2010/main" xmlns:m="http://schemas.openxmlformats.org/officeDocument/2006/math" xmlns="" val="1"/>
             </a:ext>
           </a:extLst>
         </p:spPr>
@@ -9148,7 +9148,7 @@
           <a:p>
             <a:r>
               <a:rPr lang="en-US" altLang="zh-TW" sz="3200" dirty="0"/>
-              <a:t>Fixed codes for Japanese news (step-by-step)</a:t>
+              <a:t>Explanations of changes in source code</a:t>
             </a:r>
             <a:endParaRPr dirty="0"/>
           </a:p>
@@ -9191,20 +9191,12 @@
               </a:defRPr>
             </a:pPr>
             <a:r>
-              <a:rPr lang="en-US" altLang="zh-TW" dirty="0" err="1"/>
-              <a:t>UnicodeDecodeError</a:t>
+              <a:rPr lang="en-US" altLang="zh-TW" dirty="0" smtClean="0"/>
+              <a:t>Fix error message in console - UnicodeDecodeError</a:t>
             </a:r>
             <a:r>
               <a:rPr lang="en-US" altLang="zh-TW" dirty="0"/>
-              <a:t>: 'cp950' codec can't decode byte 0xe3 in position 0: illegal </a:t>
-            </a:r>
-            <a:r>
-              <a:rPr lang="en-US" altLang="zh-TW" dirty="0" err="1"/>
-              <a:t>multibyte</a:t>
-            </a:r>
-            <a:r>
-              <a:rPr lang="en-US" altLang="zh-TW" dirty="0"/>
-              <a:t> </a:t>
+              <a:t>: 'cp950' codec can't decode byte 0xe3 in position 0: illegal multibyte </a:t>
             </a:r>
             <a:r>
               <a:rPr lang="en-US" altLang="zh-TW" dirty="0" smtClean="0"/>
@@ -9264,36 +9256,12 @@
               </a:defRPr>
             </a:pPr>
             <a:r>
-              <a:rPr lang="en-US" altLang="zh-TW" sz="2580" dirty="0" err="1"/>
-              <a:t>KeyError</a:t>
+              <a:rPr lang="en-US" altLang="zh-TW" sz="2580" dirty="0" smtClean="0"/>
+              <a:t>Fix error message in console - KeyError</a:t>
             </a:r>
             <a:r>
               <a:rPr lang="en-US" altLang="zh-TW" sz="2580" dirty="0"/>
-              <a:t>: 'You need to specify `</a:t>
-            </a:r>
-            <a:r>
-              <a:rPr lang="en-US" altLang="zh-TW" sz="2580" dirty="0" err="1"/>
-              <a:t>systemDict</a:t>
-            </a:r>
-            <a:r>
-              <a:rPr lang="en-US" altLang="zh-TW" sz="2580" dirty="0"/>
-              <a:t>` in the </a:t>
-            </a:r>
-            <a:r>
-              <a:rPr lang="en-US" altLang="zh-TW" sz="2580" dirty="0" err="1"/>
-              <a:t>config</a:t>
-            </a:r>
-            <a:r>
-              <a:rPr lang="en-US" altLang="zh-TW" sz="2580" dirty="0"/>
-              <a:t> when `</a:t>
-            </a:r>
-            <a:r>
-              <a:rPr lang="en-US" altLang="zh-TW" sz="2580" dirty="0" err="1"/>
-              <a:t>sudachidict_core</a:t>
-            </a:r>
-            <a:r>
-              <a:rPr lang="en-US" altLang="zh-TW" sz="2580" dirty="0"/>
-              <a:t>` is not installed</a:t>
+              <a:t>: 'You need to specify `systemDict` in the config when `sudachidict_core` is not installed</a:t>
             </a:r>
             <a:r>
               <a:rPr lang="en-US" altLang="zh-TW" sz="2580" dirty="0" smtClean="0"/>
@@ -9321,25 +9289,24 @@
             </a:r>
             <a:r>
               <a:rPr lang="en-US" altLang="zh-TW" sz="2580" dirty="0" smtClean="0"/>
-              <a:t>    - pip</a:t>
+              <a:t>   </a:t>
+            </a:r>
+            <a:r>
+              <a:rPr lang="en-US" altLang="zh-TW" sz="2580" dirty="0" smtClean="0"/>
+              <a:t>=&gt;</a:t>
+            </a:r>
+            <a:r>
+              <a:rPr lang="zh-TW" altLang="en-US" sz="2580" dirty="0" smtClean="0"/>
+              <a:t> </a:t>
+            </a:r>
+            <a:r>
+              <a:rPr lang="en-US" altLang="zh-TW" sz="2580" dirty="0" smtClean="0"/>
+              <a:t>pip</a:t>
             </a:r>
             <a:r>
               <a:rPr lang="en-US" altLang="zh-TW" sz="2580" dirty="0"/>
-              <a:t> install </a:t>
+              <a:t> install sudachipy sudachidict_core</a:t>
             </a:r>
-            <a:r>
-              <a:rPr lang="en-US" altLang="zh-TW" sz="2580" dirty="0" err="1"/>
-              <a:t>sudachipy</a:t>
-            </a:r>
-            <a:r>
-              <a:rPr lang="en-US" altLang="zh-TW" sz="2580" dirty="0"/>
-              <a:t> </a:t>
-            </a:r>
-            <a:r>
-              <a:rPr lang="en-US" altLang="zh-TW" sz="2580" dirty="0" err="1"/>
-              <a:t>sudachidict_core</a:t>
-            </a:r>
-            <a:endParaRPr lang="en-US" altLang="zh-TW" sz="2580" dirty="0"/>
           </a:p>
           <a:p>
             <a:pPr marL="246887" indent="-246887" algn="just" defTabSz="420624">
@@ -9376,16 +9343,21 @@
               </a:defRPr>
             </a:pPr>
             <a:r>
-              <a:rPr lang="en-US" altLang="zh-TW" sz="2580" dirty="0" err="1" smtClean="0"/>
+              <a:rPr lang="en-US" altLang="zh-TW" sz="2580" dirty="0" smtClean="0"/>
+              <a:t> Fix error message in console - </a:t>
+            </a:r>
+            <a:r>
+              <a:rPr lang="en-US" altLang="zh-TW" sz="2580" dirty="0" smtClean="0"/>
               <a:t>OSError</a:t>
             </a:r>
             <a:r>
               <a:rPr lang="en-US" altLang="zh-TW" sz="2580" dirty="0"/>
-              <a:t>: symbolic link privilege not held (specific error for Windows system)</a:t>
+              <a:t>: symbolic link privilege not held </a:t>
             </a:r>
+            <a:endParaRPr lang="en-US" altLang="zh-TW" sz="2580" dirty="0"/>
           </a:p>
           <a:p>
-            <a:pPr lvl="3" indent="0" algn="just" defTabSz="502412">
+            <a:pPr algn="just" defTabSz="420624">
               <a:lnSpc>
                 <a:spcPct val="150000"/>
               </a:lnSpc>
@@ -9393,7 +9365,7 @@
                 <a:srgbClr val="00376C"/>
               </a:buClr>
               <a:buSzPct val="100000"/>
-              <a:defRPr sz="2580">
+              <a:defRPr sz="2160">
                 <a:solidFill>
                   <a:srgbClr val="5A5F5E"/>
                 </a:solidFill>
@@ -9401,11 +9373,23 @@
             </a:pPr>
             <a:r>
               <a:rPr lang="en-US" altLang="zh-TW" sz="2580" dirty="0" smtClean="0"/>
-              <a:t>     - </a:t>
+              <a:t>    =&gt;  </a:t>
             </a:r>
             <a:r>
               <a:rPr lang="en-US" altLang="zh-TW" dirty="0"/>
-              <a:t>Restart Spider with administrator’s privilege</a:t>
+              <a:t>Restart </a:t>
+            </a:r>
+            <a:r>
+              <a:rPr lang="en-US" altLang="zh-TW" dirty="0" smtClean="0"/>
+              <a:t>Spyder </a:t>
+            </a:r>
+            <a:r>
+              <a:rPr lang="en-US" altLang="zh-TW" dirty="0"/>
+              <a:t>with </a:t>
+            </a:r>
+            <a:r>
+              <a:rPr lang="en-US" altLang="zh-TW" dirty="0" smtClean="0"/>
+              <a:t>administrator privileges</a:t>
             </a:r>
             <a:endParaRPr lang="en-US" altLang="zh-TW" dirty="0" smtClean="0"/>
           </a:p>
@@ -9606,7 +9590,7 @@
         </p:blipFill>
         <p:spPr>
           <a:xfrm>
-            <a:off x="2360996" y="3357163"/>
+            <a:off x="2360996" y="3414315"/>
             <a:ext cx="8201907" cy="979875"/>
           </a:xfrm>
           <a:prstGeom prst="rect">
@@ -9659,7 +9643,7 @@
           </a:prstGeom>
           <a:extLst>
             <a:ext uri="{C572A759-6A51-4108-AA02-DFA0A04FC94B}">
-              <ma14:wrappingTextBoxFlag xmlns="" xmlns:m="http://schemas.openxmlformats.org/officeDocument/2006/math" xmlns:a14="http://schemas.microsoft.com/office/drawing/2010/main" xmlns:ma14="http://schemas.microsoft.com/office/mac/drawingml/2011/main" val="1"/>
+              <ma14:wrappingTextBoxFlag xmlns:ma14="http://schemas.microsoft.com/office/mac/drawingml/2011/main" xmlns:a14="http://schemas.microsoft.com/office/drawing/2010/main" xmlns:m="http://schemas.openxmlformats.org/officeDocument/2006/math" xmlns="" val="1"/>
             </a:ext>
           </a:extLst>
         </p:spPr>
